--- a/slide/themes/src/04_official.pptx
+++ b/slide/themes/src/04_official.pptx
@@ -461,7 +461,7 @@
             <a:spLocks noGrp="1"/>
           </p:cNvSpPr>
           <p:nvPr>
-            <p:ph type="subTitle" idx="1" hasCustomPrompt="1"/>
+            <p:ph type="subTitle" idx="1"/>
           </p:nvPr>
         </p:nvSpPr>
         <p:spPr>
